--- a/Méties et formation/P3-description du métier développeur multimedia/Groupe 1/Lecture est choix de tuteur/Yassine El atlassi.pptx
+++ b/Méties et formation/P3-description du métier développeur multimedia/Groupe 1/Lecture est choix de tuteur/Yassine El atlassi.pptx
@@ -6,9 +6,10 @@
   </p:sldMasterIdLst>
   <p:sldIdLst>
     <p:sldId id="256" r:id="rId2"/>
-    <p:sldId id="257" r:id="rId3"/>
-    <p:sldId id="258" r:id="rId4"/>
-    <p:sldId id="259" r:id="rId5"/>
+    <p:sldId id="260" r:id="rId3"/>
+    <p:sldId id="257" r:id="rId4"/>
+    <p:sldId id="258" r:id="rId5"/>
+    <p:sldId id="259" r:id="rId6"/>
   </p:sldIdLst>
   <p:sldSz cx="12192000" cy="6858000"/>
   <p:notesSz cx="6858000" cy="9144000"/>
@@ -107,6 +108,22 @@
       </a:defRPr>
     </a:lvl9pPr>
   </p:defaultTextStyle>
+  <p:extLst>
+    <p:ext uri="{EFAFB233-063F-42B5-8137-9DF3F51BA10A}">
+      <p15:sldGuideLst xmlns:p15="http://schemas.microsoft.com/office/powerpoint/2012/main">
+        <p15:guide id="1" orient="horz" pos="2160">
+          <p15:clr>
+            <a:srgbClr val="A4A3A4"/>
+          </p15:clr>
+        </p15:guide>
+        <p15:guide id="2" pos="3840">
+          <p15:clr>
+            <a:srgbClr val="A4A3A4"/>
+          </p15:clr>
+        </p15:guide>
+      </p15:sldGuideLst>
+    </p:ext>
+  </p:extLst>
 </p:presentation>
 </file>
 
@@ -153,7 +170,7 @@
             <a:blip r:embed="rId2">
               <a:extLst>
                 <a:ext uri="{28A0092B-C50C-407E-A947-70E740481C1C}">
-                  <a14:useLocalDpi xmlns:a14="http://schemas.microsoft.com/office/drawing/2010/main" xmlns="" val="0"/>
+                  <a14:useLocalDpi xmlns:a14="http://schemas.microsoft.com/office/drawing/2010/main" val="0"/>
                 </a:ext>
               </a:extLst>
             </a:blip>
@@ -217,7 +234,7 @@
             <a:blip r:embed="rId3">
               <a:extLst>
                 <a:ext uri="{28A0092B-C50C-407E-A947-70E740481C1C}">
-                  <a14:useLocalDpi xmlns:a14="http://schemas.microsoft.com/office/drawing/2010/main" xmlns="" val="0"/>
+                  <a14:useLocalDpi xmlns:a14="http://schemas.microsoft.com/office/drawing/2010/main" val="0"/>
                 </a:ext>
               </a:extLst>
             </a:blip>
@@ -246,7 +263,7 @@
             <a:blip r:embed="rId3">
               <a:extLst>
                 <a:ext uri="{28A0092B-C50C-407E-A947-70E740481C1C}">
-                  <a14:useLocalDpi xmlns:a14="http://schemas.microsoft.com/office/drawing/2010/main" xmlns="" val="0"/>
+                  <a14:useLocalDpi xmlns:a14="http://schemas.microsoft.com/office/drawing/2010/main" val="0"/>
                 </a:ext>
               </a:extLst>
             </a:blip>
@@ -442,7 +459,7 @@
             <a:fld id="{BEA6B136-07C7-43C5-900B-626E40E946C7}" type="datetimeFigureOut">
               <a:rPr lang="fr-FR" smtClean="0"/>
               <a:pPr/>
-              <a:t>10/10/2019</a:t>
+              <a:t>24/10/2019</a:t>
             </a:fld>
             <a:endParaRPr lang="fr-FR"/>
           </a:p>
@@ -534,7 +551,7 @@
     </p:spTree>
     <p:extLst>
       <p:ext uri="{BB962C8B-B14F-4D97-AF65-F5344CB8AC3E}">
-        <p14:creationId xmlns:p14="http://schemas.microsoft.com/office/powerpoint/2010/main" xmlns="" val="1287714027"/>
+        <p14:creationId xmlns:p14="http://schemas.microsoft.com/office/powerpoint/2010/main" val="1287714027"/>
       </p:ext>
     </p:extLst>
   </p:cSld>
@@ -768,7 +785,7 @@
             <a:fld id="{BEA6B136-07C7-43C5-900B-626E40E946C7}" type="datetimeFigureOut">
               <a:rPr lang="fr-FR" smtClean="0"/>
               <a:pPr/>
-              <a:t>10/10/2019</a:t>
+              <a:t>24/10/2019</a:t>
             </a:fld>
             <a:endParaRPr lang="fr-FR"/>
           </a:p>
@@ -820,7 +837,7 @@
     </p:spTree>
     <p:extLst>
       <p:ext uri="{BB962C8B-B14F-4D97-AF65-F5344CB8AC3E}">
-        <p14:creationId xmlns:p14="http://schemas.microsoft.com/office/powerpoint/2010/main" xmlns="" val="857651823"/>
+        <p14:creationId xmlns:p14="http://schemas.microsoft.com/office/powerpoint/2010/main" val="857651823"/>
       </p:ext>
     </p:extLst>
   </p:cSld>
@@ -1018,7 +1035,7 @@
             <a:fld id="{BEA6B136-07C7-43C5-900B-626E40E946C7}" type="datetimeFigureOut">
               <a:rPr lang="fr-FR" smtClean="0"/>
               <a:pPr/>
-              <a:t>10/10/2019</a:t>
+              <a:t>24/10/2019</a:t>
             </a:fld>
             <a:endParaRPr lang="fr-FR"/>
           </a:p>
@@ -1101,7 +1118,7 @@
     </p:spTree>
     <p:extLst>
       <p:ext uri="{BB962C8B-B14F-4D97-AF65-F5344CB8AC3E}">
-        <p14:creationId xmlns:p14="http://schemas.microsoft.com/office/powerpoint/2010/main" xmlns="" val="1496543934"/>
+        <p14:creationId xmlns:p14="http://schemas.microsoft.com/office/powerpoint/2010/main" val="1496543934"/>
       </p:ext>
     </p:extLst>
   </p:cSld>
@@ -1359,7 +1376,7 @@
             <a:fld id="{BEA6B136-07C7-43C5-900B-626E40E946C7}" type="datetimeFigureOut">
               <a:rPr lang="fr-FR" smtClean="0"/>
               <a:pPr/>
-              <a:t>10/10/2019</a:t>
+              <a:t>24/10/2019</a:t>
             </a:fld>
             <a:endParaRPr lang="fr-FR"/>
           </a:p>
@@ -1510,7 +1527,7 @@
     </p:spTree>
     <p:extLst>
       <p:ext uri="{BB962C8B-B14F-4D97-AF65-F5344CB8AC3E}">
-        <p14:creationId xmlns:p14="http://schemas.microsoft.com/office/powerpoint/2010/main" xmlns="" val="1569491651"/>
+        <p14:creationId xmlns:p14="http://schemas.microsoft.com/office/powerpoint/2010/main" val="1569491651"/>
       </p:ext>
     </p:extLst>
   </p:cSld>
@@ -1708,7 +1725,7 @@
             <a:fld id="{BEA6B136-07C7-43C5-900B-626E40E946C7}" type="datetimeFigureOut">
               <a:rPr lang="fr-FR" smtClean="0"/>
               <a:pPr/>
-              <a:t>10/10/2019</a:t>
+              <a:t>24/10/2019</a:t>
             </a:fld>
             <a:endParaRPr lang="fr-FR"/>
           </a:p>
@@ -1760,7 +1777,7 @@
     </p:spTree>
     <p:extLst>
       <p:ext uri="{BB962C8B-B14F-4D97-AF65-F5344CB8AC3E}">
-        <p14:creationId xmlns:p14="http://schemas.microsoft.com/office/powerpoint/2010/main" xmlns="" val="1410158672"/>
+        <p14:creationId xmlns:p14="http://schemas.microsoft.com/office/powerpoint/2010/main" val="1410158672"/>
       </p:ext>
     </p:extLst>
   </p:cSld>
@@ -2084,7 +2101,7 @@
             <a:fld id="{BEA6B136-07C7-43C5-900B-626E40E946C7}" type="datetimeFigureOut">
               <a:rPr lang="fr-FR" smtClean="0"/>
               <a:pPr/>
-              <a:t>10/10/2019</a:t>
+              <a:t>24/10/2019</a:t>
             </a:fld>
             <a:endParaRPr lang="fr-FR"/>
           </a:p>
@@ -2235,7 +2252,7 @@
     </p:spTree>
     <p:extLst>
       <p:ext uri="{BB962C8B-B14F-4D97-AF65-F5344CB8AC3E}">
-        <p14:creationId xmlns:p14="http://schemas.microsoft.com/office/powerpoint/2010/main" xmlns="" val="1436066407"/>
+        <p14:creationId xmlns:p14="http://schemas.microsoft.com/office/powerpoint/2010/main" val="1436066407"/>
       </p:ext>
     </p:extLst>
   </p:cSld>
@@ -2556,7 +2573,7 @@
             <a:fld id="{BEA6B136-07C7-43C5-900B-626E40E946C7}" type="datetimeFigureOut">
               <a:rPr lang="fr-FR" smtClean="0"/>
               <a:pPr/>
-              <a:t>10/10/2019</a:t>
+              <a:t>24/10/2019</a:t>
             </a:fld>
             <a:endParaRPr lang="fr-FR"/>
           </a:p>
@@ -2639,7 +2656,7 @@
     </p:spTree>
     <p:extLst>
       <p:ext uri="{BB962C8B-B14F-4D97-AF65-F5344CB8AC3E}">
-        <p14:creationId xmlns:p14="http://schemas.microsoft.com/office/powerpoint/2010/main" xmlns="" val="1810613723"/>
+        <p14:creationId xmlns:p14="http://schemas.microsoft.com/office/powerpoint/2010/main" val="1810613723"/>
       </p:ext>
     </p:extLst>
   </p:cSld>
@@ -2763,7 +2780,7 @@
             <a:fld id="{BEA6B136-07C7-43C5-900B-626E40E946C7}" type="datetimeFigureOut">
               <a:rPr lang="fr-FR" smtClean="0"/>
               <a:pPr/>
-              <a:t>10/10/2019</a:t>
+              <a:t>24/10/2019</a:t>
             </a:fld>
             <a:endParaRPr lang="fr-FR"/>
           </a:p>
@@ -2846,7 +2863,7 @@
     </p:spTree>
     <p:extLst>
       <p:ext uri="{BB962C8B-B14F-4D97-AF65-F5344CB8AC3E}">
-        <p14:creationId xmlns:p14="http://schemas.microsoft.com/office/powerpoint/2010/main" xmlns="" val="1490456890"/>
+        <p14:creationId xmlns:p14="http://schemas.microsoft.com/office/powerpoint/2010/main" val="1490456890"/>
       </p:ext>
     </p:extLst>
   </p:cSld>
@@ -2976,7 +2993,7 @@
             <a:fld id="{BEA6B136-07C7-43C5-900B-626E40E946C7}" type="datetimeFigureOut">
               <a:rPr lang="fr-FR" smtClean="0"/>
               <a:pPr/>
-              <a:t>10/10/2019</a:t>
+              <a:t>24/10/2019</a:t>
             </a:fld>
             <a:endParaRPr lang="fr-FR"/>
           </a:p>
@@ -3059,7 +3076,7 @@
     </p:spTree>
     <p:extLst>
       <p:ext uri="{BB962C8B-B14F-4D97-AF65-F5344CB8AC3E}">
-        <p14:creationId xmlns:p14="http://schemas.microsoft.com/office/powerpoint/2010/main" xmlns="" val="2974493934"/>
+        <p14:creationId xmlns:p14="http://schemas.microsoft.com/office/powerpoint/2010/main" val="2974493934"/>
       </p:ext>
     </p:extLst>
   </p:cSld>
@@ -3210,7 +3227,7 @@
             <a:fld id="{BEA6B136-07C7-43C5-900B-626E40E946C7}" type="datetimeFigureOut">
               <a:rPr lang="fr-FR" smtClean="0"/>
               <a:pPr/>
-              <a:t>10/10/2019</a:t>
+              <a:t>24/10/2019</a:t>
             </a:fld>
             <a:endParaRPr lang="fr-FR"/>
           </a:p>
@@ -3262,7 +3279,7 @@
     </p:spTree>
     <p:extLst>
       <p:ext uri="{BB962C8B-B14F-4D97-AF65-F5344CB8AC3E}">
-        <p14:creationId xmlns:p14="http://schemas.microsoft.com/office/powerpoint/2010/main" xmlns="" val="2455032486"/>
+        <p14:creationId xmlns:p14="http://schemas.microsoft.com/office/powerpoint/2010/main" val="2455032486"/>
       </p:ext>
     </p:extLst>
   </p:cSld>
@@ -3460,7 +3477,7 @@
             <a:fld id="{BEA6B136-07C7-43C5-900B-626E40E946C7}" type="datetimeFigureOut">
               <a:rPr lang="fr-FR" smtClean="0"/>
               <a:pPr/>
-              <a:t>10/10/2019</a:t>
+              <a:t>24/10/2019</a:t>
             </a:fld>
             <a:endParaRPr lang="fr-FR"/>
           </a:p>
@@ -3543,7 +3560,7 @@
     </p:spTree>
     <p:extLst>
       <p:ext uri="{BB962C8B-B14F-4D97-AF65-F5344CB8AC3E}">
-        <p14:creationId xmlns:p14="http://schemas.microsoft.com/office/powerpoint/2010/main" xmlns="" val="3865663177"/>
+        <p14:creationId xmlns:p14="http://schemas.microsoft.com/office/powerpoint/2010/main" val="3865663177"/>
       </p:ext>
     </p:extLst>
   </p:cSld>
@@ -3729,7 +3746,7 @@
             <a:fld id="{BEA6B136-07C7-43C5-900B-626E40E946C7}" type="datetimeFigureOut">
               <a:rPr lang="fr-FR" smtClean="0"/>
               <a:pPr/>
-              <a:t>10/10/2019</a:t>
+              <a:t>24/10/2019</a:t>
             </a:fld>
             <a:endParaRPr lang="fr-FR"/>
           </a:p>
@@ -3812,7 +3829,7 @@
     </p:spTree>
     <p:extLst>
       <p:ext uri="{BB962C8B-B14F-4D97-AF65-F5344CB8AC3E}">
-        <p14:creationId xmlns:p14="http://schemas.microsoft.com/office/powerpoint/2010/main" xmlns="" val="138905996"/>
+        <p14:creationId xmlns:p14="http://schemas.microsoft.com/office/powerpoint/2010/main" val="138905996"/>
       </p:ext>
     </p:extLst>
   </p:cSld>
@@ -4144,7 +4161,7 @@
             <a:fld id="{BEA6B136-07C7-43C5-900B-626E40E946C7}" type="datetimeFigureOut">
               <a:rPr lang="fr-FR" smtClean="0"/>
               <a:pPr/>
-              <a:t>10/10/2019</a:t>
+              <a:t>24/10/2019</a:t>
             </a:fld>
             <a:endParaRPr lang="fr-FR"/>
           </a:p>
@@ -4227,7 +4244,7 @@
     </p:spTree>
     <p:extLst>
       <p:ext uri="{BB962C8B-B14F-4D97-AF65-F5344CB8AC3E}">
-        <p14:creationId xmlns:p14="http://schemas.microsoft.com/office/powerpoint/2010/main" xmlns="" val="17832709"/>
+        <p14:creationId xmlns:p14="http://schemas.microsoft.com/office/powerpoint/2010/main" val="17832709"/>
       </p:ext>
     </p:extLst>
   </p:cSld>
@@ -4295,7 +4312,7 @@
             <a:fld id="{BEA6B136-07C7-43C5-900B-626E40E946C7}" type="datetimeFigureOut">
               <a:rPr lang="fr-FR" smtClean="0"/>
               <a:pPr/>
-              <a:t>10/10/2019</a:t>
+              <a:t>24/10/2019</a:t>
             </a:fld>
             <a:endParaRPr lang="fr-FR"/>
           </a:p>
@@ -4378,7 +4395,7 @@
     </p:spTree>
     <p:extLst>
       <p:ext uri="{BB962C8B-B14F-4D97-AF65-F5344CB8AC3E}">
-        <p14:creationId xmlns:p14="http://schemas.microsoft.com/office/powerpoint/2010/main" xmlns="" val="1988838952"/>
+        <p14:creationId xmlns:p14="http://schemas.microsoft.com/office/powerpoint/2010/main" val="1988838952"/>
       </p:ext>
     </p:extLst>
   </p:cSld>
@@ -4423,7 +4440,7 @@
             <a:fld id="{BEA6B136-07C7-43C5-900B-626E40E946C7}" type="datetimeFigureOut">
               <a:rPr lang="fr-FR" smtClean="0"/>
               <a:pPr/>
-              <a:t>10/10/2019</a:t>
+              <a:t>24/10/2019</a:t>
             </a:fld>
             <a:endParaRPr lang="fr-FR"/>
           </a:p>
@@ -4475,7 +4492,7 @@
     </p:spTree>
     <p:extLst>
       <p:ext uri="{BB962C8B-B14F-4D97-AF65-F5344CB8AC3E}">
-        <p14:creationId xmlns:p14="http://schemas.microsoft.com/office/powerpoint/2010/main" xmlns="" val="2727405978"/>
+        <p14:creationId xmlns:p14="http://schemas.microsoft.com/office/powerpoint/2010/main" val="2727405978"/>
       </p:ext>
     </p:extLst>
   </p:cSld>
@@ -4680,7 +4697,7 @@
             <a:fld id="{BEA6B136-07C7-43C5-900B-626E40E946C7}" type="datetimeFigureOut">
               <a:rPr lang="fr-FR" smtClean="0"/>
               <a:pPr/>
-              <a:t>10/10/2019</a:t>
+              <a:t>24/10/2019</a:t>
             </a:fld>
             <a:endParaRPr lang="fr-FR"/>
           </a:p>
@@ -4763,7 +4780,7 @@
     </p:spTree>
     <p:extLst>
       <p:ext uri="{BB962C8B-B14F-4D97-AF65-F5344CB8AC3E}">
-        <p14:creationId xmlns:p14="http://schemas.microsoft.com/office/powerpoint/2010/main" xmlns="" val="536853716"/>
+        <p14:creationId xmlns:p14="http://schemas.microsoft.com/office/powerpoint/2010/main" val="536853716"/>
       </p:ext>
     </p:extLst>
   </p:cSld>
@@ -4997,7 +5014,7 @@
             <a:fld id="{BEA6B136-07C7-43C5-900B-626E40E946C7}" type="datetimeFigureOut">
               <a:rPr lang="fr-FR" smtClean="0"/>
               <a:pPr/>
-              <a:t>10/10/2019</a:t>
+              <a:t>24/10/2019</a:t>
             </a:fld>
             <a:endParaRPr lang="fr-FR"/>
           </a:p>
@@ -5049,7 +5066,7 @@
     </p:spTree>
     <p:extLst>
       <p:ext uri="{BB962C8B-B14F-4D97-AF65-F5344CB8AC3E}">
-        <p14:creationId xmlns:p14="http://schemas.microsoft.com/office/powerpoint/2010/main" xmlns="" val="1769253324"/>
+        <p14:creationId xmlns:p14="http://schemas.microsoft.com/office/powerpoint/2010/main" val="1769253324"/>
       </p:ext>
     </p:extLst>
   </p:cSld>
@@ -5107,7 +5124,7 @@
             <a:blip r:embed="rId19">
               <a:extLst>
                 <a:ext uri="{28A0092B-C50C-407E-A947-70E740481C1C}">
-                  <a14:useLocalDpi xmlns:a14="http://schemas.microsoft.com/office/drawing/2010/main" xmlns="" val="0"/>
+                  <a14:useLocalDpi xmlns:a14="http://schemas.microsoft.com/office/drawing/2010/main" val="0"/>
                 </a:ext>
               </a:extLst>
             </a:blip>
@@ -5171,7 +5188,7 @@
             <a:blip r:embed="rId20">
               <a:extLst>
                 <a:ext uri="{28A0092B-C50C-407E-A947-70E740481C1C}">
-                  <a14:useLocalDpi xmlns:a14="http://schemas.microsoft.com/office/drawing/2010/main" xmlns="" val="0"/>
+                  <a14:useLocalDpi xmlns:a14="http://schemas.microsoft.com/office/drawing/2010/main" val="0"/>
                 </a:ext>
               </a:extLst>
             </a:blip>
@@ -5200,7 +5217,7 @@
             <a:blip r:embed="rId20">
               <a:extLst>
                 <a:ext uri="{28A0092B-C50C-407E-A947-70E740481C1C}">
-                  <a14:useLocalDpi xmlns:a14="http://schemas.microsoft.com/office/drawing/2010/main" xmlns="" val="0"/>
+                  <a14:useLocalDpi xmlns:a14="http://schemas.microsoft.com/office/drawing/2010/main" val="0"/>
                 </a:ext>
               </a:extLst>
             </a:blip>
@@ -5350,7 +5367,7 @@
             <a:fld id="{BEA6B136-07C7-43C5-900B-626E40E946C7}" type="datetimeFigureOut">
               <a:rPr lang="fr-FR" smtClean="0"/>
               <a:pPr/>
-              <a:t>10/10/2019</a:t>
+              <a:t>24/10/2019</a:t>
             </a:fld>
             <a:endParaRPr lang="fr-FR"/>
           </a:p>
@@ -5438,7 +5455,7 @@
     </p:spTree>
     <p:extLst>
       <p:ext uri="{BB962C8B-B14F-4D97-AF65-F5344CB8AC3E}">
-        <p14:creationId xmlns:p14="http://schemas.microsoft.com/office/powerpoint/2010/main" xmlns="" val="603006410"/>
+        <p14:creationId xmlns:p14="http://schemas.microsoft.com/office/powerpoint/2010/main" val="603006410"/>
       </p:ext>
     </p:extLst>
   </p:cSld>
@@ -5969,7 +5986,7 @@
         <p:spPr/>
         <p:txBody>
           <a:bodyPr>
-            <a:normAutofit lnSpcReduction="10000"/>
+            <a:normAutofit fontScale="77500" lnSpcReduction="20000"/>
           </a:bodyPr>
           <a:lstStyle/>
           <a:p>
@@ -5978,13 +5995,10 @@
               <a:buAutoNum type="arabicPeriod"/>
             </a:pPr>
             <a:r>
-              <a:rPr lang="fr-FR" dirty="0"/>
-              <a:t>Missions </a:t>
-            </a:r>
-            <a:r>
-              <a:rPr lang="fr-FR" dirty="0" smtClean="0"/>
-              <a:t>principales</a:t>
-            </a:r>
+              <a:rPr lang="es-419" dirty="0" smtClean="0"/>
+              <a:t>Definition.</a:t>
+            </a:r>
+            <a:endParaRPr lang="fr-FR" dirty="0" smtClean="0"/>
           </a:p>
           <a:p>
             <a:pPr marL="457200" indent="-457200">
@@ -5992,12 +6006,8 @@
               <a:buAutoNum type="arabicPeriod"/>
             </a:pPr>
             <a:r>
-              <a:rPr lang="fr-FR" dirty="0"/>
-              <a:t>Compétences </a:t>
-            </a:r>
-            <a:r>
               <a:rPr lang="fr-FR" dirty="0" smtClean="0"/>
-              <a:t>techniques</a:t>
+              <a:t>Missions principales.</a:t>
             </a:r>
           </a:p>
           <a:p>
@@ -6006,9 +6016,25 @@
               <a:buAutoNum type="arabicPeriod"/>
             </a:pPr>
             <a:r>
+              <a:rPr lang="fr-FR" dirty="0" smtClean="0"/>
+              <a:t>Compétences techniques.</a:t>
+            </a:r>
+            <a:endParaRPr lang="fr-FR" dirty="0" smtClean="0"/>
+          </a:p>
+          <a:p>
+            <a:pPr marL="457200" indent="-457200">
+              <a:buFont typeface="+mj-lt"/>
+              <a:buAutoNum type="arabicPeriod"/>
+            </a:pPr>
+            <a:r>
               <a:rPr lang="fr-FR" dirty="0"/>
-              <a:t>Qualités personnelles</a:t>
-            </a:r>
+              <a:t>Qualités </a:t>
+            </a:r>
+            <a:r>
+              <a:rPr lang="fr-FR" dirty="0" smtClean="0"/>
+              <a:t>personnelles.</a:t>
+            </a:r>
+            <a:endParaRPr lang="fr-FR" dirty="0"/>
           </a:p>
         </p:txBody>
       </p:sp>
@@ -6063,7 +6089,7 @@
     </p:spTree>
     <p:extLst>
       <p:ext uri="{BB962C8B-B14F-4D97-AF65-F5344CB8AC3E}">
-        <p14:creationId xmlns:p14="http://schemas.microsoft.com/office/powerpoint/2010/main" xmlns="" val="119730739"/>
+        <p14:creationId xmlns:p14="http://schemas.microsoft.com/office/powerpoint/2010/main" val="119730739"/>
       </p:ext>
     </p:extLst>
   </p:cSld>
@@ -6100,100 +6126,73 @@
             <p:ph type="title"/>
           </p:nvPr>
         </p:nvSpPr>
-        <p:spPr>
-          <a:xfrm>
-            <a:off x="1295402" y="1025496"/>
-            <a:ext cx="9601196" cy="1260504"/>
-          </a:xfrm>
-        </p:spPr>
-        <p:txBody>
-          <a:bodyPr>
-            <a:normAutofit/>
-          </a:bodyPr>
-          <a:lstStyle/>
-          <a:p>
-            <a:r>
-              <a:rPr lang="fr-FR" sz="4900" dirty="0">
-                <a:ln w="0"/>
-                <a:solidFill>
-                  <a:schemeClr val="tx1"/>
-                </a:solidFill>
+        <p:spPr/>
+        <p:txBody>
+          <a:bodyPr/>
+          <a:lstStyle/>
+          <a:p>
+            <a:r>
+              <a:rPr lang="es-419" b="1" dirty="0" smtClean="0">
                 <a:effectLst>
-                  <a:outerShdw blurRad="38100" dist="19050" dir="2700000" algn="tl" rotWithShape="0">
-                    <a:schemeClr val="dk1">
-                      <a:alpha val="40000"/>
-                    </a:schemeClr>
+                  <a:outerShdw blurRad="38100" dist="38100" dir="2700000" algn="tl">
+                    <a:srgbClr val="000000">
+                      <a:alpha val="43137"/>
+                    </a:srgbClr>
                   </a:outerShdw>
                 </a:effectLst>
               </a:rPr>
-              <a:t>Missions</a:t>
-            </a:r>
+              <a:t>Definition</a:t>
+            </a:r>
+            <a:endParaRPr lang="fr-FR" b="1" dirty="0">
+              <a:effectLst>
+                <a:outerShdw blurRad="38100" dist="38100" dir="2700000" algn="tl">
+                  <a:srgbClr val="000000">
+                    <a:alpha val="43137"/>
+                  </a:srgbClr>
+                </a:outerShdw>
+              </a:effectLst>
+            </a:endParaRPr>
+          </a:p>
+        </p:txBody>
+      </p:sp>
+      <p:sp>
+        <p:nvSpPr>
+          <p:cNvPr id="3" name="Espace réservé du contenu 2"/>
+          <p:cNvSpPr>
+            <a:spLocks noGrp="1"/>
+          </p:cNvSpPr>
+          <p:nvPr>
+            <p:ph idx="1"/>
+          </p:nvPr>
+        </p:nvSpPr>
+        <p:spPr/>
+        <p:txBody>
+          <a:bodyPr/>
+          <a:lstStyle/>
+          <a:p>
             <a:r>
               <a:rPr lang="fr-FR" dirty="0"/>
-              <a:t> </a:t>
-            </a:r>
-            <a:r>
-              <a:rPr lang="fr-FR" dirty="0" smtClean="0">
-                <a:ln w="0"/>
-                <a:solidFill>
-                  <a:schemeClr val="tx1"/>
-                </a:solidFill>
-                <a:effectLst>
-                  <a:outerShdw blurRad="38100" dist="19050" dir="2700000" algn="tl" rotWithShape="0">
-                    <a:schemeClr val="dk1">
-                      <a:alpha val="40000"/>
-                    </a:schemeClr>
-                  </a:outerShdw>
-                </a:effectLst>
-              </a:rPr>
-              <a:t>principales:</a:t>
-            </a:r>
+              <a:t>Le développeur multimédia conçoit et développe des produits et services multimédia </a:t>
+            </a:r>
+            <a:r>
+              <a:rPr lang="fr-FR" sz="2800" dirty="0"/>
+              <a:t>dans</a:t>
+            </a:r>
+            <a:r>
+              <a:rPr lang="fr-FR" dirty="0"/>
+              <a:t> le cadre de la politique de développement des Technologies de l’Information et de la Communication (TIC) de l’établissement.</a:t>
+            </a:r>
+            <a:br>
+              <a:rPr lang="fr-FR" dirty="0"/>
+            </a:br>
             <a:endParaRPr lang="fr-FR" dirty="0"/>
-          </a:p>
-        </p:txBody>
-      </p:sp>
-      <p:sp>
-        <p:nvSpPr>
-          <p:cNvPr id="3" name="Espace réservé du contenu 2"/>
-          <p:cNvSpPr>
-            <a:spLocks noGrp="1"/>
-          </p:cNvSpPr>
-          <p:nvPr>
-            <p:ph idx="1"/>
-          </p:nvPr>
-        </p:nvSpPr>
-        <p:spPr/>
-        <p:txBody>
-          <a:bodyPr/>
-          <a:lstStyle/>
-          <a:p>
-            <a:r>
-              <a:rPr lang="fr-FR" dirty="0"/>
-              <a:t>Le Développeur multimédia construit une application en assemblant et en fusionnant des </a:t>
-            </a:r>
-            <a:r>
-              <a:rPr lang="fr-FR" dirty="0" err="1"/>
-              <a:t>chiers</a:t>
-            </a:r>
-            <a:r>
-              <a:rPr lang="fr-FR" dirty="0"/>
-              <a:t> de natures </a:t>
-            </a:r>
-            <a:r>
-              <a:rPr lang="fr-FR" dirty="0" err="1"/>
-              <a:t>diérentes</a:t>
-            </a:r>
-            <a:r>
-              <a:rPr lang="fr-FR" dirty="0"/>
-              <a:t> : du texte, des sons et des images, après une étude des besoins du client. Les missions du Développeur multimédia sont aussi nombreuses que variées. </a:t>
-            </a:r>
           </a:p>
         </p:txBody>
       </p:sp>
     </p:spTree>
     <p:extLst>
       <p:ext uri="{BB962C8B-B14F-4D97-AF65-F5344CB8AC3E}">
-        <p14:creationId xmlns:p14="http://schemas.microsoft.com/office/powerpoint/2010/main" xmlns="" val="4196916782"/>
+        <p14:creationId xmlns:p14="http://schemas.microsoft.com/office/powerpoint/2010/main" val="1006136600"/>
       </p:ext>
     </p:extLst>
   </p:cSld>
@@ -6230,13 +6229,20 @@
             <p:ph type="title"/>
           </p:nvPr>
         </p:nvSpPr>
-        <p:spPr/>
-        <p:txBody>
-          <a:bodyPr/>
-          <a:lstStyle/>
-          <a:p>
-            <a:r>
-              <a:rPr lang="fr-FR" dirty="0">
+        <p:spPr>
+          <a:xfrm>
+            <a:off x="1295402" y="1025496"/>
+            <a:ext cx="9601196" cy="1260504"/>
+          </a:xfrm>
+        </p:spPr>
+        <p:txBody>
+          <a:bodyPr>
+            <a:normAutofit/>
+          </a:bodyPr>
+          <a:lstStyle/>
+          <a:p>
+            <a:r>
+              <a:rPr lang="fr-FR" sz="4900" b="1" dirty="0">
                 <a:ln w="0"/>
                 <a:solidFill>
                   <a:schemeClr val="tx1"/>
@@ -6249,14 +6255,14 @@
                   </a:outerShdw>
                 </a:effectLst>
               </a:rPr>
-              <a:t>Compétences</a:t>
+              <a:t>Missions</a:t>
             </a:r>
             <a:r>
               <a:rPr lang="fr-FR" dirty="0"/>
               <a:t> </a:t>
             </a:r>
             <a:r>
-              <a:rPr lang="fr-FR" dirty="0" smtClean="0">
+              <a:rPr lang="fr-FR" b="1" dirty="0" smtClean="0">
                 <a:ln w="0"/>
                 <a:solidFill>
                   <a:schemeClr val="tx1"/>
@@ -6269,7 +6275,23 @@
                   </a:outerShdw>
                 </a:effectLst>
               </a:rPr>
-              <a:t>techniques:</a:t>
+              <a:t>principales</a:t>
+            </a:r>
+            <a:r>
+              <a:rPr lang="fr-FR" dirty="0" smtClean="0">
+                <a:ln w="0"/>
+                <a:solidFill>
+                  <a:schemeClr val="tx1"/>
+                </a:solidFill>
+                <a:effectLst>
+                  <a:outerShdw blurRad="38100" dist="19050" dir="2700000" algn="tl" rotWithShape="0">
+                    <a:schemeClr val="dk1">
+                      <a:alpha val="40000"/>
+                    </a:schemeClr>
+                  </a:outerShdw>
+                </a:effectLst>
+              </a:rPr>
+              <a:t>:</a:t>
             </a:r>
             <a:endParaRPr lang="fr-FR" dirty="0"/>
           </a:p>
@@ -6290,56 +6312,25 @@
           <a:bodyPr/>
           <a:lstStyle/>
           <a:p>
-            <a:pPr marL="0" indent="0">
-              <a:buNone/>
-            </a:pPr>
-            <a:r>
-              <a:rPr lang="fr-FR" b="1" u="sng" dirty="0"/>
-              <a:t>Le Développeur multimédia doit avoir : </a:t>
-            </a:r>
-            <a:endParaRPr lang="fr-FR" b="1" u="sng" dirty="0" smtClean="0"/>
-          </a:p>
-          <a:p>
-            <a:r>
-              <a:rPr lang="fr-FR" dirty="0" smtClean="0"/>
-              <a:t>Une </a:t>
-            </a:r>
             <a:r>
               <a:rPr lang="fr-FR" dirty="0"/>
-              <a:t>large culture générale en informatique </a:t>
-            </a:r>
-            <a:endParaRPr lang="fr-FR" dirty="0" smtClean="0"/>
-          </a:p>
-          <a:p>
-            <a:r>
-              <a:rPr lang="fr-FR" dirty="0" smtClean="0"/>
-              <a:t>Une </a:t>
+              <a:t>Le Développeur multimédia construit une application en assemblant et en fusionnant des </a:t>
+            </a:r>
+            <a:r>
+              <a:rPr lang="fr-FR" dirty="0" err="1"/>
+              <a:t>chiers</a:t>
             </a:r>
             <a:r>
               <a:rPr lang="fr-FR" dirty="0"/>
-              <a:t>bonne maîtrise des techniques et méthodes de conception et de développement de site internet </a:t>
-            </a:r>
-            <a:endParaRPr lang="fr-FR" dirty="0" smtClean="0"/>
-          </a:p>
-          <a:p>
-            <a:r>
-              <a:rPr lang="fr-FR" dirty="0" smtClean="0"/>
-              <a:t>Une </a:t>
+              <a:t> de natures </a:t>
+            </a:r>
+            <a:r>
+              <a:rPr lang="fr-FR" dirty="0" err="1"/>
+              <a:t>diérentes</a:t>
             </a:r>
             <a:r>
               <a:rPr lang="fr-FR" dirty="0"/>
-              <a:t>bonne connaissance de l’entreprise et de son secteur </a:t>
-            </a:r>
-            <a:endParaRPr lang="fr-FR" dirty="0" smtClean="0"/>
-          </a:p>
-          <a:p>
-            <a:r>
-              <a:rPr lang="fr-FR" dirty="0" smtClean="0"/>
-              <a:t>Une </a:t>
-            </a:r>
-            <a:r>
-              <a:rPr lang="fr-FR" dirty="0"/>
-              <a:t>maîtrise des techniques de conception, modélisation et architecture d’applications</a:t>
+              <a:t> : du texte, des sons et des images, après une étude des besoins du client. Les missions du Développeur multimédia sont aussi nombreuses que variées. </a:t>
             </a:r>
           </a:p>
         </p:txBody>
@@ -6347,7 +6338,7 @@
     </p:spTree>
     <p:extLst>
       <p:ext uri="{BB962C8B-B14F-4D97-AF65-F5344CB8AC3E}">
-        <p14:creationId xmlns:p14="http://schemas.microsoft.com/office/powerpoint/2010/main" xmlns="" val="370447745"/>
+        <p14:creationId xmlns:p14="http://schemas.microsoft.com/office/powerpoint/2010/main" val="4196916782"/>
       </p:ext>
     </p:extLst>
   </p:cSld>
@@ -6390,7 +6381,186 @@
           <a:lstStyle/>
           <a:p>
             <a:r>
-              <a:rPr lang="fr-FR" dirty="0">
+              <a:rPr lang="fr-FR" b="1" dirty="0">
+                <a:ln w="0"/>
+                <a:solidFill>
+                  <a:schemeClr val="tx1"/>
+                </a:solidFill>
+                <a:effectLst>
+                  <a:outerShdw blurRad="38100" dist="19050" dir="2700000" algn="tl" rotWithShape="0">
+                    <a:schemeClr val="dk1">
+                      <a:alpha val="40000"/>
+                    </a:schemeClr>
+                  </a:outerShdw>
+                </a:effectLst>
+              </a:rPr>
+              <a:t>Compétences</a:t>
+            </a:r>
+            <a:r>
+              <a:rPr lang="fr-FR" dirty="0"/>
+              <a:t> </a:t>
+            </a:r>
+            <a:r>
+              <a:rPr lang="fr-FR" b="1" dirty="0" smtClean="0">
+                <a:ln w="0"/>
+                <a:solidFill>
+                  <a:schemeClr val="tx1"/>
+                </a:solidFill>
+                <a:effectLst>
+                  <a:outerShdw blurRad="38100" dist="19050" dir="2700000" algn="tl" rotWithShape="0">
+                    <a:schemeClr val="dk1">
+                      <a:alpha val="40000"/>
+                    </a:schemeClr>
+                  </a:outerShdw>
+                </a:effectLst>
+              </a:rPr>
+              <a:t>techniques</a:t>
+            </a:r>
+            <a:r>
+              <a:rPr lang="fr-FR" dirty="0" smtClean="0">
+                <a:ln w="0"/>
+                <a:solidFill>
+                  <a:schemeClr val="tx1"/>
+                </a:solidFill>
+                <a:effectLst>
+                  <a:outerShdw blurRad="38100" dist="19050" dir="2700000" algn="tl" rotWithShape="0">
+                    <a:schemeClr val="dk1">
+                      <a:alpha val="40000"/>
+                    </a:schemeClr>
+                  </a:outerShdw>
+                </a:effectLst>
+              </a:rPr>
+              <a:t>:</a:t>
+            </a:r>
+            <a:endParaRPr lang="fr-FR" dirty="0"/>
+          </a:p>
+        </p:txBody>
+      </p:sp>
+      <p:sp>
+        <p:nvSpPr>
+          <p:cNvPr id="3" name="Espace réservé du contenu 2"/>
+          <p:cNvSpPr>
+            <a:spLocks noGrp="1"/>
+          </p:cNvSpPr>
+          <p:nvPr>
+            <p:ph idx="1"/>
+          </p:nvPr>
+        </p:nvSpPr>
+        <p:spPr/>
+        <p:txBody>
+          <a:bodyPr>
+            <a:normAutofit lnSpcReduction="10000"/>
+          </a:bodyPr>
+          <a:lstStyle/>
+          <a:p>
+            <a:pPr marL="0" indent="0">
+              <a:buNone/>
+            </a:pPr>
+            <a:r>
+              <a:rPr lang="fr-FR" b="1" u="sng" dirty="0"/>
+              <a:t>Le Développeur multimédia doit avoir : </a:t>
+            </a:r>
+            <a:endParaRPr lang="fr-FR" b="1" u="sng" dirty="0" smtClean="0"/>
+          </a:p>
+          <a:p>
+            <a:r>
+              <a:rPr lang="fr-FR" dirty="0" smtClean="0"/>
+              <a:t>Une </a:t>
+            </a:r>
+            <a:r>
+              <a:rPr lang="fr-FR" dirty="0"/>
+              <a:t>large culture générale </a:t>
+            </a:r>
+            <a:endParaRPr lang="fr-FR" dirty="0" smtClean="0"/>
+          </a:p>
+          <a:p>
+            <a:r>
+              <a:rPr lang="fr-FR" dirty="0" smtClean="0"/>
+              <a:t>Une </a:t>
+            </a:r>
+            <a:r>
+              <a:rPr lang="fr-FR" dirty="0"/>
+              <a:t>bonne maîtrise des techniques et méthodes de conception et de développement de site internet </a:t>
+            </a:r>
+            <a:endParaRPr lang="fr-FR" dirty="0" smtClean="0"/>
+          </a:p>
+          <a:p>
+            <a:r>
+              <a:rPr lang="fr-FR" dirty="0" smtClean="0"/>
+              <a:t>Une </a:t>
+            </a:r>
+            <a:r>
+              <a:rPr lang="fr-FR" dirty="0"/>
+              <a:t>bonne connaissance de l’entreprise et de son secteur </a:t>
+            </a:r>
+            <a:endParaRPr lang="fr-FR" dirty="0" smtClean="0"/>
+          </a:p>
+          <a:p>
+            <a:r>
+              <a:rPr lang="fr-FR" dirty="0" smtClean="0"/>
+              <a:t>Une </a:t>
+            </a:r>
+            <a:r>
+              <a:rPr lang="fr-FR" dirty="0"/>
+              <a:t>maîtrise des techniques de conception, modélisation et architecture </a:t>
+            </a:r>
+            <a:r>
+              <a:rPr lang="fr-FR" dirty="0" smtClean="0"/>
+              <a:t>d’applications</a:t>
+            </a:r>
+          </a:p>
+          <a:p>
+            <a:endParaRPr lang="fr-FR" dirty="0"/>
+          </a:p>
+        </p:txBody>
+      </p:sp>
+    </p:spTree>
+    <p:extLst>
+      <p:ext uri="{BB962C8B-B14F-4D97-AF65-F5344CB8AC3E}">
+        <p14:creationId xmlns:p14="http://schemas.microsoft.com/office/powerpoint/2010/main" val="370447745"/>
+      </p:ext>
+    </p:extLst>
+  </p:cSld>
+  <p:clrMapOvr>
+    <a:masterClrMapping/>
+  </p:clrMapOvr>
+</p:sld>
+</file>
+
+<file path=ppt/slides/slide5.xml><?xml version="1.0" encoding="utf-8"?>
+<p:sld xmlns:a="http://schemas.openxmlformats.org/drawingml/2006/main" xmlns:r="http://schemas.openxmlformats.org/officeDocument/2006/relationships" xmlns:p="http://schemas.openxmlformats.org/presentationml/2006/main">
+  <p:cSld>
+    <p:spTree>
+      <p:nvGrpSpPr>
+        <p:cNvPr id="1" name=""/>
+        <p:cNvGrpSpPr/>
+        <p:nvPr/>
+      </p:nvGrpSpPr>
+      <p:grpSpPr>
+        <a:xfrm>
+          <a:off x="0" y="0"/>
+          <a:ext cx="0" cy="0"/>
+          <a:chOff x="0" y="0"/>
+          <a:chExt cx="0" cy="0"/>
+        </a:xfrm>
+      </p:grpSpPr>
+      <p:sp>
+        <p:nvSpPr>
+          <p:cNvPr id="2" name="Titre 1"/>
+          <p:cNvSpPr>
+            <a:spLocks noGrp="1"/>
+          </p:cNvSpPr>
+          <p:nvPr>
+            <p:ph type="title"/>
+          </p:nvPr>
+        </p:nvSpPr>
+        <p:spPr/>
+        <p:txBody>
+          <a:bodyPr/>
+          <a:lstStyle/>
+          <a:p>
+            <a:r>
+              <a:rPr lang="fr-FR" b="1" dirty="0">
                 <a:ln w="0"/>
                 <a:solidFill>
                   <a:schemeClr val="tx1"/>
@@ -6406,11 +6576,11 @@
               <a:t>Qualités</a:t>
             </a:r>
             <a:r>
-              <a:rPr lang="fr-FR" dirty="0"/>
+              <a:rPr lang="fr-FR" b="1" dirty="0"/>
               <a:t> </a:t>
             </a:r>
             <a:r>
-              <a:rPr lang="fr-FR" dirty="0" smtClean="0">
+              <a:rPr lang="fr-FR" b="1" dirty="0" smtClean="0">
                 <a:ln w="0"/>
                 <a:solidFill>
                   <a:schemeClr val="tx1"/>
@@ -6423,7 +6593,23 @@
                   </a:outerShdw>
                 </a:effectLst>
               </a:rPr>
-              <a:t>personnelles:</a:t>
+              <a:t>personnelles</a:t>
+            </a:r>
+            <a:r>
+              <a:rPr lang="fr-FR" dirty="0" smtClean="0">
+                <a:ln w="0"/>
+                <a:solidFill>
+                  <a:schemeClr val="tx1"/>
+                </a:solidFill>
+                <a:effectLst>
+                  <a:outerShdw blurRad="38100" dist="19050" dir="2700000" algn="tl" rotWithShape="0">
+                    <a:schemeClr val="dk1">
+                      <a:alpha val="40000"/>
+                    </a:schemeClr>
+                  </a:outerShdw>
+                </a:effectLst>
+              </a:rPr>
+              <a:t>:</a:t>
             </a:r>
             <a:endParaRPr lang="fr-FR" dirty="0"/>
           </a:p>
@@ -6439,24 +6625,48 @@
             <p:ph idx="1"/>
           </p:nvPr>
         </p:nvSpPr>
-        <p:spPr/>
+        <p:spPr>
+          <a:xfrm>
+            <a:off x="1295402" y="2556932"/>
+            <a:ext cx="9601196" cy="3318936"/>
+          </a:xfrm>
+        </p:spPr>
         <p:txBody>
           <a:bodyPr>
-            <a:normAutofit fontScale="85000" lnSpcReduction="10000"/>
+            <a:normAutofit lnSpcReduction="10000"/>
           </a:bodyPr>
           <a:lstStyle/>
           <a:p>
             <a:r>
-              <a:rPr lang="fr-FR" b="1" u="sng" dirty="0"/>
-              <a:t>Les compétences techniques du Développeur multimédia doivent être complétées par un avoir-être. Le Développeur multimédia doit ainsi faire siennes les qualités de: </a:t>
-            </a:r>
-            <a:endParaRPr lang="fr-FR" b="1" u="sng" dirty="0" smtClean="0"/>
-          </a:p>
-          <a:p>
-            <a:r>
               <a:rPr lang="fr-FR" dirty="0" smtClean="0"/>
-              <a:t>Polyvalence </a:t>
-            </a:r>
+              <a:t>Créativité .</a:t>
+            </a:r>
+            <a:endParaRPr lang="fr-FR" dirty="0"/>
+          </a:p>
+          <a:p>
+            <a:r>
+              <a:rPr lang="fr-FR" dirty="0"/>
+              <a:t>Sens de </a:t>
+            </a:r>
+            <a:r>
+              <a:rPr lang="fr-FR" dirty="0" smtClean="0"/>
+              <a:t>l’écoute .</a:t>
+            </a:r>
+            <a:endParaRPr lang="fr-FR" dirty="0"/>
+          </a:p>
+          <a:p>
+            <a:r>
+              <a:rPr lang="fr-FR" dirty="0" smtClean="0"/>
+              <a:t>Dynamisme .</a:t>
+            </a:r>
+            <a:endParaRPr lang="fr-FR" b="1" u="sng" dirty="0"/>
+          </a:p>
+          <a:p>
+            <a:r>
+              <a:rPr lang="fr-FR" dirty="0" smtClean="0"/>
+              <a:t>Polyvalence .</a:t>
+            </a:r>
+            <a:endParaRPr lang="fr-FR" dirty="0" smtClean="0"/>
           </a:p>
           <a:p>
             <a:r>
@@ -6467,6 +6677,10 @@
               <a:rPr lang="fr-FR" dirty="0"/>
               <a:t>de proposition </a:t>
             </a:r>
+            <a:r>
+              <a:rPr lang="fr-FR" dirty="0" smtClean="0"/>
+              <a:t>.</a:t>
+            </a:r>
             <a:endParaRPr lang="fr-FR" dirty="0" smtClean="0"/>
           </a:p>
           <a:p>
@@ -6478,6 +6692,10 @@
               <a:rPr lang="fr-FR" dirty="0"/>
               <a:t>Rigueur </a:t>
             </a:r>
+            <a:r>
+              <a:rPr lang="fr-FR" dirty="0" smtClean="0"/>
+              <a:t>.</a:t>
+            </a:r>
             <a:endParaRPr lang="fr-FR" dirty="0" smtClean="0"/>
           </a:p>
           <a:p>
@@ -6489,27 +6707,9 @@
               <a:rPr lang="fr-FR" dirty="0"/>
               <a:t>d’équipe </a:t>
             </a:r>
-            <a:endParaRPr lang="fr-FR" dirty="0" smtClean="0"/>
-          </a:p>
-          <a:p>
             <a:r>
               <a:rPr lang="fr-FR" dirty="0" smtClean="0"/>
-              <a:t>Capacité </a:t>
-            </a:r>
-            <a:r>
-              <a:rPr lang="fr-FR" dirty="0"/>
-              <a:t>d’anticipation </a:t>
-            </a:r>
-            <a:endParaRPr lang="fr-FR" dirty="0" smtClean="0"/>
-          </a:p>
-          <a:p>
-            <a:r>
-              <a:rPr lang="fr-FR" dirty="0" smtClean="0"/>
-              <a:t>Créativité </a:t>
-            </a:r>
-            <a:r>
-              <a:rPr lang="fr-FR" dirty="0"/>
-              <a:t>Sens de l’écoute</a:t>
+              <a:t>.</a:t>
             </a:r>
           </a:p>
         </p:txBody>
@@ -6517,7 +6717,7 @@
     </p:spTree>
     <p:extLst>
       <p:ext uri="{BB962C8B-B14F-4D97-AF65-F5344CB8AC3E}">
-        <p14:creationId xmlns:p14="http://schemas.microsoft.com/office/powerpoint/2010/main" xmlns="" val="2346821226"/>
+        <p14:creationId xmlns:p14="http://schemas.microsoft.com/office/powerpoint/2010/main" val="2346821226"/>
       </p:ext>
     </p:extLst>
   </p:cSld>
@@ -6754,7 +6954,7 @@
   <a:extraClrSchemeLst/>
   <a:extLst>
     <a:ext uri="{05A4C25C-085E-4340-85A3-A5531E510DB2}">
-      <thm15:themeFamily xmlns:thm15="http://schemas.microsoft.com/office/thememl/2012/main" xmlns="" name="Organic" id="{28CDC826-8792-45C0-861B-85EB3ADEDA33}" vid="{7039A4B3-0617-4CFC-B614-27363ECC28AC}"/>
+      <thm15:themeFamily xmlns:thm15="http://schemas.microsoft.com/office/thememl/2012/main" name="Organic" id="{28CDC826-8792-45C0-861B-85EB3ADEDA33}" vid="{7039A4B3-0617-4CFC-B614-27363ECC28AC}"/>
     </a:ext>
   </a:extLst>
 </a:theme>
